--- a/vistasRequisitos.pptx
+++ b/vistasRequisitos.pptx
@@ -202,7 +202,7 @@
           <a:p>
             <a:fld id="{30CD6486-883B-4E14-9038-FB6F4E8E06B3}" type="datetimeFigureOut">
               <a:rPr lang="es-AR" smtClean="0"/>
-              <a:t>18/11/2025</a:t>
+              <a:t>20/11/2025</a:t>
             </a:fld>
             <a:endParaRPr lang="es-AR"/>
           </a:p>
@@ -619,7 +619,7 @@
           <a:p>
             <a:fld id="{DD1979BE-66D7-43AF-B01D-BEB275596A68}" type="datetimeFigureOut">
               <a:rPr lang="es-AR" smtClean="0"/>
-              <a:t>18/11/2025</a:t>
+              <a:t>20/11/2025</a:t>
             </a:fld>
             <a:endParaRPr lang="es-AR"/>
           </a:p>
@@ -819,7 +819,7 @@
           <a:p>
             <a:fld id="{DD1979BE-66D7-43AF-B01D-BEB275596A68}" type="datetimeFigureOut">
               <a:rPr lang="es-AR" smtClean="0"/>
-              <a:t>18/11/2025</a:t>
+              <a:t>20/11/2025</a:t>
             </a:fld>
             <a:endParaRPr lang="es-AR"/>
           </a:p>
@@ -1029,7 +1029,7 @@
           <a:p>
             <a:fld id="{DD1979BE-66D7-43AF-B01D-BEB275596A68}" type="datetimeFigureOut">
               <a:rPr lang="es-AR" smtClean="0"/>
-              <a:t>18/11/2025</a:t>
+              <a:t>20/11/2025</a:t>
             </a:fld>
             <a:endParaRPr lang="es-AR"/>
           </a:p>
@@ -1229,7 +1229,7 @@
           <a:p>
             <a:fld id="{DD1979BE-66D7-43AF-B01D-BEB275596A68}" type="datetimeFigureOut">
               <a:rPr lang="es-AR" smtClean="0"/>
-              <a:t>18/11/2025</a:t>
+              <a:t>20/11/2025</a:t>
             </a:fld>
             <a:endParaRPr lang="es-AR"/>
           </a:p>
@@ -1505,7 +1505,7 @@
           <a:p>
             <a:fld id="{DD1979BE-66D7-43AF-B01D-BEB275596A68}" type="datetimeFigureOut">
               <a:rPr lang="es-AR" smtClean="0"/>
-              <a:t>18/11/2025</a:t>
+              <a:t>20/11/2025</a:t>
             </a:fld>
             <a:endParaRPr lang="es-AR"/>
           </a:p>
@@ -1773,7 +1773,7 @@
           <a:p>
             <a:fld id="{DD1979BE-66D7-43AF-B01D-BEB275596A68}" type="datetimeFigureOut">
               <a:rPr lang="es-AR" smtClean="0"/>
-              <a:t>18/11/2025</a:t>
+              <a:t>20/11/2025</a:t>
             </a:fld>
             <a:endParaRPr lang="es-AR"/>
           </a:p>
@@ -2188,7 +2188,7 @@
           <a:p>
             <a:fld id="{DD1979BE-66D7-43AF-B01D-BEB275596A68}" type="datetimeFigureOut">
               <a:rPr lang="es-AR" smtClean="0"/>
-              <a:t>18/11/2025</a:t>
+              <a:t>20/11/2025</a:t>
             </a:fld>
             <a:endParaRPr lang="es-AR"/>
           </a:p>
@@ -2330,7 +2330,7 @@
           <a:p>
             <a:fld id="{DD1979BE-66D7-43AF-B01D-BEB275596A68}" type="datetimeFigureOut">
               <a:rPr lang="es-AR" smtClean="0"/>
-              <a:t>18/11/2025</a:t>
+              <a:t>20/11/2025</a:t>
             </a:fld>
             <a:endParaRPr lang="es-AR"/>
           </a:p>
@@ -2443,7 +2443,7 @@
           <a:p>
             <a:fld id="{DD1979BE-66D7-43AF-B01D-BEB275596A68}" type="datetimeFigureOut">
               <a:rPr lang="es-AR" smtClean="0"/>
-              <a:t>18/11/2025</a:t>
+              <a:t>20/11/2025</a:t>
             </a:fld>
             <a:endParaRPr lang="es-AR"/>
           </a:p>
@@ -2756,7 +2756,7 @@
           <a:p>
             <a:fld id="{DD1979BE-66D7-43AF-B01D-BEB275596A68}" type="datetimeFigureOut">
               <a:rPr lang="es-AR" smtClean="0"/>
-              <a:t>18/11/2025</a:t>
+              <a:t>20/11/2025</a:t>
             </a:fld>
             <a:endParaRPr lang="es-AR"/>
           </a:p>
@@ -3045,7 +3045,7 @@
           <a:p>
             <a:fld id="{DD1979BE-66D7-43AF-B01D-BEB275596A68}" type="datetimeFigureOut">
               <a:rPr lang="es-AR" smtClean="0"/>
-              <a:t>18/11/2025</a:t>
+              <a:t>20/11/2025</a:t>
             </a:fld>
             <a:endParaRPr lang="es-AR"/>
           </a:p>
@@ -3291,7 +3291,7 @@
           <a:p>
             <a:fld id="{DD1979BE-66D7-43AF-B01D-BEB275596A68}" type="datetimeFigureOut">
               <a:rPr lang="es-AR" smtClean="0"/>
-              <a:t>18/11/2025</a:t>
+              <a:t>20/11/2025</a:t>
             </a:fld>
             <a:endParaRPr lang="es-AR"/>
           </a:p>
@@ -5981,7 +5981,7 @@
             <a:pPr algn="ctr"/>
             <a:r>
               <a:rPr lang="es-AR" sz="1400" b="1" dirty="0"/>
-              <a:t>ARGENTINA RAYOS - Banda Rojo</a:t>
+              <a:t>ARGENTINA RAYOS</a:t>
             </a:r>
           </a:p>
         </p:txBody>
@@ -6101,6 +6101,66 @@
               <a:rPr lang="es-AR" sz="1400" b="1" dirty="0"/>
               <a:t>)</a:t>
             </a:r>
+          </a:p>
+        </p:txBody>
+      </p:sp>
+      <p:sp>
+        <p:nvSpPr>
+          <p:cNvPr id="8" name="Rectángulo 7">
+            <a:extLst>
+              <a:ext uri="{FF2B5EF4-FFF2-40B4-BE49-F238E27FC236}">
+                <a16:creationId xmlns:a16="http://schemas.microsoft.com/office/drawing/2014/main" id="{40D91CBA-EB31-D210-93FD-92CEF63949AF}"/>
+              </a:ext>
+            </a:extLst>
+          </p:cNvPr>
+          <p:cNvSpPr/>
+          <p:nvPr/>
+        </p:nvSpPr>
+        <p:spPr>
+          <a:xfrm>
+            <a:off x="6377845" y="4927121"/>
+            <a:ext cx="4579810" cy="293299"/>
+          </a:xfrm>
+          <a:prstGeom prst="rect">
+            <a:avLst/>
+          </a:prstGeom>
+          <a:solidFill>
+            <a:srgbClr val="699BFF"/>
+          </a:solidFill>
+          <a:ln>
+            <a:noFill/>
+          </a:ln>
+        </p:spPr>
+        <p:style>
+          <a:lnRef idx="2">
+            <a:schemeClr val="accent1">
+              <a:shade val="15000"/>
+            </a:schemeClr>
+          </a:lnRef>
+          <a:fillRef idx="1">
+            <a:schemeClr val="accent1"/>
+          </a:fillRef>
+          <a:effectRef idx="0">
+            <a:schemeClr val="accent1"/>
+          </a:effectRef>
+          <a:fontRef idx="minor">
+            <a:schemeClr val="lt1"/>
+          </a:fontRef>
+        </p:style>
+        <p:txBody>
+          <a:bodyPr rtlCol="0" anchor="ctr"/>
+          <a:lstStyle/>
+          <a:p>
+            <a:pPr algn="ctr"/>
+            <a:r>
+              <a:rPr lang="en-001" sz="1400" b="1" dirty="0"/>
+              <a:t>SUDAMÉRICA - </a:t>
+            </a:r>
+            <a:r>
+              <a:rPr lang="en-001" sz="1400" b="1" dirty="0" err="1"/>
+              <a:t>Incendios</a:t>
+            </a:r>
+            <a:endParaRPr lang="es-AR" sz="1400" b="1" dirty="0"/>
           </a:p>
         </p:txBody>
       </p:sp>
